--- a/01_TEAM_DATA/B팀/2주차_1장,2장_B팀_염주헌.pptx
+++ b/01_TEAM_DATA/B팀/2주차_1장,2장_B팀_염주헌.pptx
@@ -126,6 +126,168 @@
     <p1510:client id="{F5317252-2642-3589-99A4-0493DDBC1E22}" v="1907" dt="2021-01-10T09:35:17.887"/>
   </p1510:revLst>
 </p1510:revInfo>
+</file>
+
+<file path=ppt/changesInfos/changesInfo1.xml><?xml version="1.0" encoding="utf-8"?>
+<pc:chgInfo xmlns:a="http://schemas.openxmlformats.org/drawingml/2006/main" xmlns:r="http://schemas.openxmlformats.org/officeDocument/2006/relationships" xmlns:ac="http://schemas.microsoft.com/office/drawing/2013/main/command" xmlns:pc="http://schemas.microsoft.com/office/powerpoint/2013/main/command">
+  <pc:docChgLst>
+    <pc:chgData name="염주헌" userId="S::diting9813@skuniv.ac.kr::f7b51415-4b6f-44fe-85f5-fdd062efac66" providerId="AD" clId="Web-{C906CAC0-EB85-5D85-4840-2D003374104D}"/>
+    <pc:docChg chg="modSld">
+      <pc:chgData name="염주헌" userId="S::diting9813@skuniv.ac.kr::f7b51415-4b6f-44fe-85f5-fdd062efac66" providerId="AD" clId="Web-{C906CAC0-EB85-5D85-4840-2D003374104D}" dt="2021-01-11T08:22:56.882" v="3"/>
+      <pc:docMkLst>
+        <pc:docMk/>
+      </pc:docMkLst>
+      <pc:sldChg chg="addSp modSp mod setBg">
+        <pc:chgData name="염주헌" userId="S::diting9813@skuniv.ac.kr::f7b51415-4b6f-44fe-85f5-fdd062efac66" providerId="AD" clId="Web-{C906CAC0-EB85-5D85-4840-2D003374104D}" dt="2021-01-11T08:22:23.725" v="0"/>
+        <pc:sldMkLst>
+          <pc:docMk/>
+          <pc:sldMk cId="3569210928" sldId="256"/>
+        </pc:sldMkLst>
+        <pc:spChg chg="mod">
+          <ac:chgData name="염주헌" userId="S::diting9813@skuniv.ac.kr::f7b51415-4b6f-44fe-85f5-fdd062efac66" providerId="AD" clId="Web-{C906CAC0-EB85-5D85-4840-2D003374104D}" dt="2021-01-11T08:22:23.725" v="0"/>
+          <ac:spMkLst>
+            <pc:docMk/>
+            <pc:sldMk cId="3569210928" sldId="256"/>
+            <ac:spMk id="2" creationId="{00000000-0000-0000-0000-000000000000}"/>
+          </ac:spMkLst>
+        </pc:spChg>
+        <pc:spChg chg="add">
+          <ac:chgData name="염주헌" userId="S::diting9813@skuniv.ac.kr::f7b51415-4b6f-44fe-85f5-fdd062efac66" providerId="AD" clId="Web-{C906CAC0-EB85-5D85-4840-2D003374104D}" dt="2021-01-11T08:22:23.725" v="0"/>
+          <ac:spMkLst>
+            <pc:docMk/>
+            <pc:sldMk cId="3569210928" sldId="256"/>
+            <ac:spMk id="7" creationId="{23962611-DFD5-4092-AAFD-559E3DFCE2C9}"/>
+          </ac:spMkLst>
+        </pc:spChg>
+        <pc:picChg chg="add">
+          <ac:chgData name="염주헌" userId="S::diting9813@skuniv.ac.kr::f7b51415-4b6f-44fe-85f5-fdd062efac66" providerId="AD" clId="Web-{C906CAC0-EB85-5D85-4840-2D003374104D}" dt="2021-01-11T08:22:23.725" v="0"/>
+          <ac:picMkLst>
+            <pc:docMk/>
+            <pc:sldMk cId="3569210928" sldId="256"/>
+            <ac:picMk id="9" creationId="{2270F1FA-0425-408F-9861-80BF5AFB276D}"/>
+          </ac:picMkLst>
+        </pc:picChg>
+      </pc:sldChg>
+      <pc:sldChg chg="addSp modSp mod setBg">
+        <pc:chgData name="염주헌" userId="S::diting9813@skuniv.ac.kr::f7b51415-4b6f-44fe-85f5-fdd062efac66" providerId="AD" clId="Web-{C906CAC0-EB85-5D85-4840-2D003374104D}" dt="2021-01-11T08:22:30.006" v="1"/>
+        <pc:sldMkLst>
+          <pc:docMk/>
+          <pc:sldMk cId="217502218" sldId="257"/>
+        </pc:sldMkLst>
+        <pc:spChg chg="mod">
+          <ac:chgData name="염주헌" userId="S::diting9813@skuniv.ac.kr::f7b51415-4b6f-44fe-85f5-fdd062efac66" providerId="AD" clId="Web-{C906CAC0-EB85-5D85-4840-2D003374104D}" dt="2021-01-11T08:22:30.006" v="1"/>
+          <ac:spMkLst>
+            <pc:docMk/>
+            <pc:sldMk cId="217502218" sldId="257"/>
+            <ac:spMk id="2" creationId="{027B8F5E-0929-47CF-8AE2-F9F876B52257}"/>
+          </ac:spMkLst>
+        </pc:spChg>
+        <pc:spChg chg="mod">
+          <ac:chgData name="염주헌" userId="S::diting9813@skuniv.ac.kr::f7b51415-4b6f-44fe-85f5-fdd062efac66" providerId="AD" clId="Web-{C906CAC0-EB85-5D85-4840-2D003374104D}" dt="2021-01-11T08:22:30.006" v="1"/>
+          <ac:spMkLst>
+            <pc:docMk/>
+            <pc:sldMk cId="217502218" sldId="257"/>
+            <ac:spMk id="3" creationId="{3CB61157-2DE4-4505-A994-A358839AA4DE}"/>
+          </ac:spMkLst>
+        </pc:spChg>
+        <pc:spChg chg="add">
+          <ac:chgData name="염주헌" userId="S::diting9813@skuniv.ac.kr::f7b51415-4b6f-44fe-85f5-fdd062efac66" providerId="AD" clId="Web-{C906CAC0-EB85-5D85-4840-2D003374104D}" dt="2021-01-11T08:22:30.006" v="1"/>
+          <ac:spMkLst>
+            <pc:docMk/>
+            <pc:sldMk cId="217502218" sldId="257"/>
+            <ac:spMk id="8" creationId="{4351DFE5-F63D-4BE0-BDA9-E3EB88F01AA5}"/>
+          </ac:spMkLst>
+        </pc:spChg>
+        <pc:picChg chg="add">
+          <ac:chgData name="염주헌" userId="S::diting9813@skuniv.ac.kr::f7b51415-4b6f-44fe-85f5-fdd062efac66" providerId="AD" clId="Web-{C906CAC0-EB85-5D85-4840-2D003374104D}" dt="2021-01-11T08:22:30.006" v="1"/>
+          <ac:picMkLst>
+            <pc:docMk/>
+            <pc:sldMk cId="217502218" sldId="257"/>
+            <ac:picMk id="10" creationId="{3AA16612-ACD2-4A16-8F2B-4514FD6BF28F}"/>
+          </ac:picMkLst>
+        </pc:picChg>
+      </pc:sldChg>
+      <pc:sldChg chg="addSp modSp mod setBg">
+        <pc:chgData name="염주헌" userId="S::diting9813@skuniv.ac.kr::f7b51415-4b6f-44fe-85f5-fdd062efac66" providerId="AD" clId="Web-{C906CAC0-EB85-5D85-4840-2D003374104D}" dt="2021-01-11T08:22:35.491" v="2"/>
+        <pc:sldMkLst>
+          <pc:docMk/>
+          <pc:sldMk cId="112480921" sldId="258"/>
+        </pc:sldMkLst>
+        <pc:spChg chg="mod">
+          <ac:chgData name="염주헌" userId="S::diting9813@skuniv.ac.kr::f7b51415-4b6f-44fe-85f5-fdd062efac66" providerId="AD" clId="Web-{C906CAC0-EB85-5D85-4840-2D003374104D}" dt="2021-01-11T08:22:35.491" v="2"/>
+          <ac:spMkLst>
+            <pc:docMk/>
+            <pc:sldMk cId="112480921" sldId="258"/>
+            <ac:spMk id="2" creationId="{F03CE3B4-E49D-4A7E-AEB2-88AAC885D249}"/>
+          </ac:spMkLst>
+        </pc:spChg>
+        <pc:spChg chg="mod">
+          <ac:chgData name="염주헌" userId="S::diting9813@skuniv.ac.kr::f7b51415-4b6f-44fe-85f5-fdd062efac66" providerId="AD" clId="Web-{C906CAC0-EB85-5D85-4840-2D003374104D}" dt="2021-01-11T08:22:35.491" v="2"/>
+          <ac:spMkLst>
+            <pc:docMk/>
+            <pc:sldMk cId="112480921" sldId="258"/>
+            <ac:spMk id="3" creationId="{976AE8E6-05E4-4A3D-BC23-88DAABC6B3FD}"/>
+          </ac:spMkLst>
+        </pc:spChg>
+        <pc:spChg chg="add">
+          <ac:chgData name="염주헌" userId="S::diting9813@skuniv.ac.kr::f7b51415-4b6f-44fe-85f5-fdd062efac66" providerId="AD" clId="Web-{C906CAC0-EB85-5D85-4840-2D003374104D}" dt="2021-01-11T08:22:35.491" v="2"/>
+          <ac:spMkLst>
+            <pc:docMk/>
+            <pc:sldMk cId="112480921" sldId="258"/>
+            <ac:spMk id="8" creationId="{4351DFE5-F63D-4BE0-BDA9-E3EB88F01AA5}"/>
+          </ac:spMkLst>
+        </pc:spChg>
+        <pc:picChg chg="add">
+          <ac:chgData name="염주헌" userId="S::diting9813@skuniv.ac.kr::f7b51415-4b6f-44fe-85f5-fdd062efac66" providerId="AD" clId="Web-{C906CAC0-EB85-5D85-4840-2D003374104D}" dt="2021-01-11T08:22:35.491" v="2"/>
+          <ac:picMkLst>
+            <pc:docMk/>
+            <pc:sldMk cId="112480921" sldId="258"/>
+            <ac:picMk id="10" creationId="{3AA16612-ACD2-4A16-8F2B-4514FD6BF28F}"/>
+          </ac:picMkLst>
+        </pc:picChg>
+      </pc:sldChg>
+      <pc:sldChg chg="addSp modSp mod setBg">
+        <pc:chgData name="염주헌" userId="S::diting9813@skuniv.ac.kr::f7b51415-4b6f-44fe-85f5-fdd062efac66" providerId="AD" clId="Web-{C906CAC0-EB85-5D85-4840-2D003374104D}" dt="2021-01-11T08:22:56.882" v="3"/>
+        <pc:sldMkLst>
+          <pc:docMk/>
+          <pc:sldMk cId="2313756891" sldId="259"/>
+        </pc:sldMkLst>
+        <pc:spChg chg="mod">
+          <ac:chgData name="염주헌" userId="S::diting9813@skuniv.ac.kr::f7b51415-4b6f-44fe-85f5-fdd062efac66" providerId="AD" clId="Web-{C906CAC0-EB85-5D85-4840-2D003374104D}" dt="2021-01-11T08:22:56.882" v="3"/>
+          <ac:spMkLst>
+            <pc:docMk/>
+            <pc:sldMk cId="2313756891" sldId="259"/>
+            <ac:spMk id="2" creationId="{D63DEED4-3B3F-4684-B483-2378320341C0}"/>
+          </ac:spMkLst>
+        </pc:spChg>
+        <pc:spChg chg="mod">
+          <ac:chgData name="염주헌" userId="S::diting9813@skuniv.ac.kr::f7b51415-4b6f-44fe-85f5-fdd062efac66" providerId="AD" clId="Web-{C906CAC0-EB85-5D85-4840-2D003374104D}" dt="2021-01-11T08:22:56.882" v="3"/>
+          <ac:spMkLst>
+            <pc:docMk/>
+            <pc:sldMk cId="2313756891" sldId="259"/>
+            <ac:spMk id="3" creationId="{8BA25E23-58A7-41A1-9298-E2F9EF8FD2E7}"/>
+          </ac:spMkLst>
+        </pc:spChg>
+        <pc:spChg chg="add">
+          <ac:chgData name="염주헌" userId="S::diting9813@skuniv.ac.kr::f7b51415-4b6f-44fe-85f5-fdd062efac66" providerId="AD" clId="Web-{C906CAC0-EB85-5D85-4840-2D003374104D}" dt="2021-01-11T08:22:56.882" v="3"/>
+          <ac:spMkLst>
+            <pc:docMk/>
+            <pc:sldMk cId="2313756891" sldId="259"/>
+            <ac:spMk id="8" creationId="{4351DFE5-F63D-4BE0-BDA9-E3EB88F01AA5}"/>
+          </ac:spMkLst>
+        </pc:spChg>
+        <pc:picChg chg="add">
+          <ac:chgData name="염주헌" userId="S::diting9813@skuniv.ac.kr::f7b51415-4b6f-44fe-85f5-fdd062efac66" providerId="AD" clId="Web-{C906CAC0-EB85-5D85-4840-2D003374104D}" dt="2021-01-11T08:22:56.882" v="3"/>
+          <ac:picMkLst>
+            <pc:docMk/>
+            <pc:sldMk cId="2313756891" sldId="259"/>
+            <ac:picMk id="10" creationId="{3AA16612-ACD2-4A16-8F2B-4514FD6BF28F}"/>
+          </ac:picMkLst>
+        </pc:picChg>
+      </pc:sldChg>
+    </pc:docChg>
+  </pc:docChgLst>
+</pc:chgInfo>
 </file>
 
 <file path=ppt/slideLayouts/slideLayout1.xml><?xml version="1.0" encoding="utf-8"?>
@@ -2950,6 +3112,14 @@
 <file path=ppt/slides/slide1.xml><?xml version="1.0" encoding="utf-8"?>
 <p:sld xmlns:a="http://schemas.openxmlformats.org/drawingml/2006/main" xmlns:r="http://schemas.openxmlformats.org/officeDocument/2006/relationships" xmlns:p="http://schemas.openxmlformats.org/presentationml/2006/main">
   <p:cSld>
+    <p:bg>
+      <p:bgPr>
+        <a:solidFill>
+          <a:schemeClr val="bg1"/>
+        </a:solidFill>
+        <a:effectLst/>
+      </p:bgPr>
+    </p:bg>
     <p:spTree>
       <p:nvGrpSpPr>
         <p:cNvPr id="1" name=""/>
@@ -2966,44 +3136,186 @@
       </p:grpSpPr>
       <p:sp>
         <p:nvSpPr>
-          <p:cNvPr id="2" name="제목 1"/>
-          <p:cNvSpPr>
-            <a:spLocks noGrp="1"/>
-          </p:cNvSpPr>
-          <p:nvPr>
-            <p:ph type="ctrTitle"/>
+          <p:cNvPr id="7" name="Rectangle 6">
+            <a:extLst>
+              <a:ext uri="{FF2B5EF4-FFF2-40B4-BE49-F238E27FC236}">
+                <a16:creationId xmlns:a16="http://schemas.microsoft.com/office/drawing/2014/main" id="{23962611-DFD5-4092-AAFD-559E3DFCE2C9}"/>
+              </a:ext>
+              <a:ext uri="{C183D7F6-B498-43B3-948B-1728B52AA6E4}">
+                <adec:decorative xmlns:adec="http://schemas.microsoft.com/office/drawing/2017/decorative" val="1"/>
+              </a:ext>
+            </a:extLst>
+          </p:cNvPr>
+          <p:cNvSpPr>
+            <a:spLocks noGrp="1" noRot="1" noChangeAspect="1" noMove="1" noResize="1" noEditPoints="1" noAdjustHandles="1" noChangeArrowheads="1" noChangeShapeType="1" noTextEdit="1"/>
+          </p:cNvSpPr>
+          <p:nvPr>
+            <p:extLst>
+              <p:ext uri="{386F3935-93C4-4BCD-93E2-E3B085C9AB24}">
+                <p16:designElem xmlns:p16="http://schemas.microsoft.com/office/powerpoint/2015/main" val="1"/>
+              </p:ext>
+            </p:extLst>
           </p:nvPr>
         </p:nvSpPr>
         <p:spPr>
           <a:xfrm>
-            <a:off x="1524000" y="2100840"/>
-            <a:ext cx="9144000" cy="2387600"/>
+            <a:off x="475488" y="0"/>
+            <a:ext cx="10910292" cy="6858000"/>
+          </a:xfrm>
+          <a:prstGeom prst="rect">
+            <a:avLst/>
+          </a:prstGeom>
+          <a:gradFill>
+            <a:gsLst>
+              <a:gs pos="0">
+                <a:schemeClr val="accent1">
+                  <a:lumMod val="90000"/>
+                </a:schemeClr>
+              </a:gs>
+              <a:gs pos="25000">
+                <a:schemeClr val="accent1">
+                  <a:lumMod val="90000"/>
+                </a:schemeClr>
+              </a:gs>
+              <a:gs pos="94000">
+                <a:schemeClr val="bg2">
+                  <a:lumMod val="25000"/>
+                </a:schemeClr>
+              </a:gs>
+              <a:gs pos="100000">
+                <a:schemeClr val="bg2">
+                  <a:lumMod val="25000"/>
+                </a:schemeClr>
+              </a:gs>
+            </a:gsLst>
+            <a:lin ang="4200000" scaled="0"/>
+          </a:gradFill>
+          <a:ln>
+            <a:noFill/>
+          </a:ln>
+        </p:spPr>
+        <p:style>
+          <a:lnRef idx="2">
+            <a:schemeClr val="accent1">
+              <a:shade val="50000"/>
+            </a:schemeClr>
+          </a:lnRef>
+          <a:fillRef idx="1">
+            <a:schemeClr val="accent1"/>
+          </a:fillRef>
+          <a:effectRef idx="0">
+            <a:schemeClr val="accent1"/>
+          </a:effectRef>
+          <a:fontRef idx="minor">
+            <a:schemeClr val="lt1"/>
+          </a:fontRef>
+        </p:style>
+        <p:txBody>
+          <a:bodyPr rtlCol="0" anchor="ctr"/>
+          <a:lstStyle/>
+          <a:p>
+            <a:pPr algn="ctr"/>
+            <a:endParaRPr lang="en-US"/>
+          </a:p>
+        </p:txBody>
+      </p:sp>
+      <p:pic>
+        <p:nvPicPr>
+          <p:cNvPr id="9" name="Picture 8">
+            <a:extLst>
+              <a:ext uri="{FF2B5EF4-FFF2-40B4-BE49-F238E27FC236}">
+                <a16:creationId xmlns:a16="http://schemas.microsoft.com/office/drawing/2014/main" id="{2270F1FA-0425-408F-9861-80BF5AFB276D}"/>
+              </a:ext>
+              <a:ext uri="{C183D7F6-B498-43B3-948B-1728B52AA6E4}">
+                <adec:decorative xmlns:adec="http://schemas.microsoft.com/office/drawing/2017/decorative" val="1"/>
+              </a:ext>
+            </a:extLst>
+          </p:cNvPr>
+          <p:cNvPicPr>
+            <a:picLocks noGrp="1" noRot="1" noChangeAspect="1" noMove="1" noResize="1" noEditPoints="1" noAdjustHandles="1" noChangeArrowheads="1" noChangeShapeType="1" noCrop="1"/>
+          </p:cNvPicPr>
+          <p:nvPr>
+            <p:extLst>
+              <p:ext uri="{386F3935-93C4-4BCD-93E2-E3B085C9AB24}">
+                <p16:designElem xmlns:p16="http://schemas.microsoft.com/office/powerpoint/2015/main" val="1"/>
+              </p:ext>
+            </p:extLst>
+          </p:nvPr>
+        </p:nvPicPr>
+        <p:blipFill>
+          <a:blip r:embed="rId2">
+            <a:extLst>
+              <a:ext uri="{28A0092B-C50C-407E-A947-70E740481C1C}">
+                <a14:useLocalDpi xmlns:a14="http://schemas.microsoft.com/office/drawing/2010/main" val="0"/>
+              </a:ext>
+            </a:extLst>
+          </a:blip>
+          <a:stretch>
+            <a:fillRect/>
+          </a:stretch>
+        </p:blipFill>
+        <p:spPr>
+          <a:xfrm>
+            <a:off x="0" y="0"/>
+            <a:ext cx="12192000" cy="6858000"/>
+          </a:xfrm>
+          <a:prstGeom prst="rect">
+            <a:avLst/>
+          </a:prstGeom>
+        </p:spPr>
+      </p:pic>
+      <p:sp>
+        <p:nvSpPr>
+          <p:cNvPr id="2" name="제목 1"/>
+          <p:cNvSpPr>
+            <a:spLocks noGrp="1"/>
+          </p:cNvSpPr>
+          <p:nvPr>
+            <p:ph type="ctrTitle"/>
+          </p:nvPr>
+        </p:nvSpPr>
+        <p:spPr>
+          <a:xfrm>
+            <a:off x="3045368" y="2043663"/>
+            <a:ext cx="6105194" cy="2031055"/>
           </a:xfrm>
         </p:spPr>
         <p:txBody>
-          <a:bodyPr vert="horz" lIns="91440" tIns="45720" rIns="91440" bIns="45720" rtlCol="0" anchor="ctr">
+          <a:bodyPr vert="horz" lIns="91440" tIns="45720" rIns="91440" bIns="45720" rtlCol="0">
             <a:normAutofit/>
           </a:bodyPr>
           <a:lstStyle/>
           <a:p>
             <a:r>
-              <a:rPr lang="ko-KR" altLang="en-US" sz="2900" dirty="0">
+              <a:rPr lang="ko-KR" altLang="en-US" sz="3300">
+                <a:solidFill>
+                  <a:srgbClr val="FFFFFF"/>
+                </a:solidFill>
                 <a:ea typeface="맑은 고딕"/>
               </a:rPr>
               <a:t>2.5 첫 번째 예제 다시 살펴보기</a:t>
             </a:r>
             <a:br>
-              <a:rPr lang="ko-KR" altLang="en-US" sz="2900" dirty="0">
+              <a:rPr lang="ko-KR" altLang="en-US" sz="3300">
+                <a:solidFill>
+                  <a:srgbClr val="FFFFFF"/>
+                </a:solidFill>
                 <a:ea typeface="맑은 고딕"/>
               </a:rPr>
             </a:br>
             <a:br>
-              <a:rPr lang="ko-KR" altLang="en-US" sz="2900" dirty="0">
+              <a:rPr lang="ko-KR" altLang="en-US" sz="3300">
+                <a:solidFill>
+                  <a:srgbClr val="FFFFFF"/>
+                </a:solidFill>
                 <a:ea typeface="맑은 고딕"/>
               </a:rPr>
             </a:br>
             <a:r>
-              <a:rPr lang="ko-KR" altLang="en-US" sz="2900" dirty="0">
+              <a:rPr lang="ko-KR" altLang="en-US" sz="3300">
+                <a:solidFill>
+                  <a:srgbClr val="FFFFFF"/>
+                </a:solidFill>
                 <a:ea typeface="맑은 고딕"/>
               </a:rPr>
               <a:t>2.6 요약</a:t>
@@ -3027,6 +3339,14 @@
 <file path=ppt/slides/slide2.xml><?xml version="1.0" encoding="utf-8"?>
 <p:sld xmlns:a="http://schemas.openxmlformats.org/drawingml/2006/main" xmlns:r="http://schemas.openxmlformats.org/officeDocument/2006/relationships" xmlns:p="http://schemas.openxmlformats.org/presentationml/2006/main">
   <p:cSld>
+    <p:bg>
+      <p:bgPr>
+        <a:solidFill>
+          <a:schemeClr val="bg1"/>
+        </a:solidFill>
+        <a:effectLst/>
+      </p:bgPr>
+    </p:bg>
     <p:spTree>
       <p:nvGrpSpPr>
         <p:cNvPr id="1" name=""/>
@@ -3043,6 +3363,136 @@
       </p:grpSpPr>
       <p:sp>
         <p:nvSpPr>
+          <p:cNvPr id="8" name="Rectangle 7">
+            <a:extLst>
+              <a:ext uri="{FF2B5EF4-FFF2-40B4-BE49-F238E27FC236}">
+                <a16:creationId xmlns:a16="http://schemas.microsoft.com/office/drawing/2014/main" id="{4351DFE5-F63D-4BE0-BDA9-E3EB88F01AA5}"/>
+              </a:ext>
+              <a:ext uri="{C183D7F6-B498-43B3-948B-1728B52AA6E4}">
+                <adec:decorative xmlns:adec="http://schemas.microsoft.com/office/drawing/2017/decorative" val="1"/>
+              </a:ext>
+            </a:extLst>
+          </p:cNvPr>
+          <p:cNvSpPr>
+            <a:spLocks noGrp="1" noRot="1" noChangeAspect="1" noMove="1" noResize="1" noEditPoints="1" noAdjustHandles="1" noChangeArrowheads="1" noChangeShapeType="1" noTextEdit="1"/>
+          </p:cNvSpPr>
+          <p:nvPr>
+            <p:extLst>
+              <p:ext uri="{386F3935-93C4-4BCD-93E2-E3B085C9AB24}">
+                <p16:designElem xmlns:p16="http://schemas.microsoft.com/office/powerpoint/2015/main" val="1"/>
+              </p:ext>
+            </p:extLst>
+          </p:nvPr>
+        </p:nvSpPr>
+        <p:spPr>
+          <a:xfrm>
+            <a:off x="355601" y="0"/>
+            <a:ext cx="11480494" cy="2753936"/>
+          </a:xfrm>
+          <a:prstGeom prst="rect">
+            <a:avLst/>
+          </a:prstGeom>
+          <a:gradFill>
+            <a:gsLst>
+              <a:gs pos="0">
+                <a:schemeClr val="accent1">
+                  <a:lumMod val="90000"/>
+                </a:schemeClr>
+              </a:gs>
+              <a:gs pos="25000">
+                <a:schemeClr val="accent1">
+                  <a:lumMod val="90000"/>
+                </a:schemeClr>
+              </a:gs>
+              <a:gs pos="94000">
+                <a:schemeClr val="bg2">
+                  <a:lumMod val="25000"/>
+                </a:schemeClr>
+              </a:gs>
+              <a:gs pos="100000">
+                <a:schemeClr val="bg2">
+                  <a:lumMod val="25000"/>
+                </a:schemeClr>
+              </a:gs>
+            </a:gsLst>
+            <a:lin ang="4200000" scaled="0"/>
+          </a:gradFill>
+          <a:ln>
+            <a:noFill/>
+          </a:ln>
+        </p:spPr>
+        <p:style>
+          <a:lnRef idx="2">
+            <a:schemeClr val="accent1">
+              <a:shade val="50000"/>
+            </a:schemeClr>
+          </a:lnRef>
+          <a:fillRef idx="1">
+            <a:schemeClr val="accent1"/>
+          </a:fillRef>
+          <a:effectRef idx="0">
+            <a:schemeClr val="accent1"/>
+          </a:effectRef>
+          <a:fontRef idx="minor">
+            <a:schemeClr val="lt1"/>
+          </a:fontRef>
+        </p:style>
+        <p:txBody>
+          <a:bodyPr rtlCol="0" anchor="ctr"/>
+          <a:lstStyle/>
+          <a:p>
+            <a:pPr algn="ctr"/>
+            <a:endParaRPr lang="en-US"/>
+          </a:p>
+        </p:txBody>
+      </p:sp>
+      <p:pic>
+        <p:nvPicPr>
+          <p:cNvPr id="10" name="Picture 9">
+            <a:extLst>
+              <a:ext uri="{FF2B5EF4-FFF2-40B4-BE49-F238E27FC236}">
+                <a16:creationId xmlns:a16="http://schemas.microsoft.com/office/drawing/2014/main" id="{3AA16612-ACD2-4A16-8F2B-4514FD6BF28F}"/>
+              </a:ext>
+              <a:ext uri="{C183D7F6-B498-43B3-948B-1728B52AA6E4}">
+                <adec:decorative xmlns:adec="http://schemas.microsoft.com/office/drawing/2017/decorative" val="1"/>
+              </a:ext>
+            </a:extLst>
+          </p:cNvPr>
+          <p:cNvPicPr>
+            <a:picLocks noGrp="1" noRot="1" noChangeAspect="1" noMove="1" noResize="1" noEditPoints="1" noAdjustHandles="1" noChangeArrowheads="1" noChangeShapeType="1" noCrop="1"/>
+          </p:cNvPicPr>
+          <p:nvPr>
+            <p:extLst>
+              <p:ext uri="{386F3935-93C4-4BCD-93E2-E3B085C9AB24}">
+                <p16:designElem xmlns:p16="http://schemas.microsoft.com/office/powerpoint/2015/main" val="1"/>
+              </p:ext>
+            </p:extLst>
+          </p:nvPr>
+        </p:nvPicPr>
+        <p:blipFill>
+          <a:blip r:embed="rId2">
+            <a:extLst>
+              <a:ext uri="{28A0092B-C50C-407E-A947-70E740481C1C}">
+                <a14:useLocalDpi xmlns:a14="http://schemas.microsoft.com/office/drawing/2010/main" val="0"/>
+              </a:ext>
+            </a:extLst>
+          </a:blip>
+          <a:stretch>
+            <a:fillRect/>
+          </a:stretch>
+        </p:blipFill>
+        <p:spPr>
+          <a:xfrm>
+            <a:off x="0" y="0"/>
+            <a:ext cx="12192000" cy="6858000"/>
+          </a:xfrm>
+          <a:prstGeom prst="rect">
+            <a:avLst/>
+          </a:prstGeom>
+        </p:spPr>
+      </p:pic>
+      <p:sp>
+        <p:nvSpPr>
           <p:cNvPr id="2" name="제목 1">
             <a:extLst>
               <a:ext uri="{FF2B5EF4-FFF2-40B4-BE49-F238E27FC236}">
@@ -3057,18 +3507,33 @@
             <p:ph type="title"/>
           </p:nvPr>
         </p:nvSpPr>
-        <p:spPr/>
-        <p:txBody>
-          <a:bodyPr/>
-          <a:lstStyle/>
-          <a:p>
-            <a:r>
-              <a:rPr lang="ko-KR" altLang="en-US" dirty="0">
+        <p:spPr>
+          <a:xfrm>
+            <a:off x="1179226" y="826680"/>
+            <a:ext cx="9833548" cy="1325563"/>
+          </a:xfrm>
+        </p:spPr>
+        <p:txBody>
+          <a:bodyPr>
+            <a:normAutofit/>
+          </a:bodyPr>
+          <a:lstStyle/>
+          <a:p>
+            <a:pPr algn="ctr"/>
+            <a:r>
+              <a:rPr lang="ko-KR" altLang="en-US" sz="4000">
+                <a:solidFill>
+                  <a:srgbClr val="FFFFFF"/>
+                </a:solidFill>
                 <a:ea typeface="맑은 고딕"/>
               </a:rPr>
               <a:t>2.5 첫 번째 예제 다시 살펴보기</a:t>
             </a:r>
-            <a:endParaRPr lang="ko-KR" altLang="en-US" dirty="0"/>
+            <a:endParaRPr lang="ko-KR" altLang="en-US" sz="4000">
+              <a:solidFill>
+                <a:srgbClr val="FFFFFF"/>
+              </a:solidFill>
+            </a:endParaRPr>
           </a:p>
         </p:txBody>
       </p:sp>
@@ -3090,12 +3555,12 @@
         </p:nvSpPr>
         <p:spPr>
           <a:xfrm>
-            <a:off x="838200" y="1487921"/>
-            <a:ext cx="10515600" cy="5104678"/>
+            <a:off x="1179226" y="3092970"/>
+            <a:ext cx="9833548" cy="2693976"/>
           </a:xfrm>
         </p:spPr>
         <p:txBody>
-          <a:bodyPr vert="horz" lIns="91440" tIns="45720" rIns="91440" bIns="45720" rtlCol="0" anchor="t">
+          <a:bodyPr vert="horz" lIns="91440" tIns="45720" rIns="91440" bIns="45720" rtlCol="0">
             <a:normAutofit/>
           </a:bodyPr>
           <a:lstStyle/>
@@ -3104,329 +3569,131 @@
               <a:buNone/>
             </a:pPr>
             <a:r>
-              <a:rPr lang="ko-KR" altLang="en-US" dirty="0">
-                <a:ea typeface="맑은 고딕"/>
-              </a:rPr>
-              <a:t>이전 절에서 배웠던 내용을 이용하여 코드를 자세히 리뷰</a:t>
-            </a:r>
-            <a:endParaRPr lang="ko-KR" altLang="en-US" dirty="0">
-              <a:ea typeface="맑은 고딕" panose="020B0503020000020004" pitchFamily="34" charset="-127"/>
-            </a:endParaRPr>
-          </a:p>
-          <a:p>
-            <a:r>
-              <a:rPr lang="ko-KR" altLang="en-US" dirty="0">
-                <a:ea typeface="맑은 고딕"/>
-              </a:rPr>
-              <a:t>입력 데이터</a:t>
-            </a:r>
-          </a:p>
-          <a:p>
-            <a:pPr marL="0" indent="0">
-              <a:buNone/>
-            </a:pPr>
-            <a:r>
-              <a:rPr lang="ko-KR" altLang="en-US" dirty="0">
-                <a:ea typeface="맑은 고딕"/>
-              </a:rPr>
-              <a:t>(</a:t>
-            </a:r>
-            <a:r>
-              <a:rPr lang="ko-KR" altLang="en-US" dirty="0" err="1">
-                <a:ea typeface="맑은 고딕"/>
-              </a:rPr>
-              <a:t>train_images</a:t>
-            </a:r>
-            <a:r>
-              <a:rPr lang="ko-KR" altLang="en-US" dirty="0">
-                <a:ea typeface="맑은 고딕"/>
-              </a:rPr>
-              <a:t>, </a:t>
-            </a:r>
-            <a:r>
-              <a:rPr lang="ko-KR" altLang="en-US" dirty="0" err="1">
-                <a:ea typeface="맑은 고딕"/>
-              </a:rPr>
-              <a:t>train_labels</a:t>
-            </a:r>
-            <a:r>
-              <a:rPr lang="ko-KR" altLang="en-US" dirty="0">
-                <a:ea typeface="맑은 고딕"/>
-              </a:rPr>
-              <a:t>), (</a:t>
-            </a:r>
-            <a:r>
-              <a:rPr lang="ko-KR" altLang="en-US" dirty="0" err="1">
-                <a:ea typeface="맑은 고딕"/>
-              </a:rPr>
-              <a:t>test_images</a:t>
-            </a:r>
-            <a:r>
-              <a:rPr lang="ko-KR" altLang="en-US" dirty="0">
-                <a:ea typeface="맑은 고딕"/>
-              </a:rPr>
-              <a:t>, </a:t>
-            </a:r>
-            <a:r>
-              <a:rPr lang="ko-KR" altLang="en-US" dirty="0" err="1">
-                <a:ea typeface="맑은 고딕"/>
-              </a:rPr>
-              <a:t>test_labels</a:t>
-            </a:r>
-            <a:r>
-              <a:rPr lang="ko-KR" altLang="en-US" dirty="0">
-                <a:ea typeface="맑은 고딕"/>
-              </a:rPr>
-              <a:t>) = </a:t>
-            </a:r>
-            <a:r>
-              <a:rPr lang="ko-KR" altLang="en-US" dirty="0" err="1">
-                <a:ea typeface="맑은 고딕"/>
-              </a:rPr>
-              <a:t>mnist.load_data</a:t>
-            </a:r>
-            <a:r>
-              <a:rPr lang="ko-KR" altLang="en-US" dirty="0">
-                <a:ea typeface="맑은 고딕"/>
-              </a:rPr>
-              <a:t>()</a:t>
-            </a:r>
-          </a:p>
-          <a:p>
-            <a:pPr marL="0" indent="0">
-              <a:buNone/>
-            </a:pPr>
-            <a:endParaRPr lang="ko-KR" altLang="en-US" dirty="0">
-              <a:ea typeface="맑은 고딕"/>
-            </a:endParaRPr>
-          </a:p>
-          <a:p>
-            <a:pPr marL="0" indent="0">
-              <a:buNone/>
-            </a:pPr>
-            <a:r>
-              <a:rPr lang="ko-KR" altLang="en-US" dirty="0" err="1">
-                <a:ea typeface="맑은 고딕"/>
-              </a:rPr>
-              <a:t>train_images</a:t>
-            </a:r>
-            <a:r>
-              <a:rPr lang="ko-KR" altLang="en-US" dirty="0">
-                <a:ea typeface="맑은 고딕"/>
-              </a:rPr>
-              <a:t> = </a:t>
-            </a:r>
-            <a:r>
-              <a:rPr lang="ko-KR" altLang="en-US" dirty="0" err="1">
-                <a:ea typeface="맑은 고딕"/>
-              </a:rPr>
-              <a:t>train_image.reshape</a:t>
-            </a:r>
-            <a:r>
-              <a:rPr lang="ko-KR" altLang="en-US" dirty="0">
-                <a:ea typeface="맑은 고딕"/>
-              </a:rPr>
-              <a:t>((</a:t>
-            </a:r>
-            <a:r>
-              <a:rPr lang="ko-KR" altLang="en-US" dirty="0">
-                <a:solidFill>
-                  <a:schemeClr val="accent6"/>
-                </a:solidFill>
-                <a:ea typeface="맑은 고딕"/>
-              </a:rPr>
-              <a:t>60000,28*28</a:t>
-            </a:r>
-            <a:r>
-              <a:rPr lang="ko-KR" altLang="en-US" dirty="0">
-                <a:ea typeface="맑은 고딕"/>
-              </a:rPr>
-              <a:t>))</a:t>
-            </a:r>
-          </a:p>
-          <a:p>
-            <a:pPr marL="0" indent="0">
-              <a:buNone/>
-            </a:pPr>
-            <a:r>
-              <a:rPr lang="ko-KR" altLang="en-US" dirty="0" err="1">
-                <a:ea typeface="맑은 고딕"/>
-              </a:rPr>
-              <a:t>train_images</a:t>
-            </a:r>
-            <a:r>
-              <a:rPr lang="ko-KR" altLang="en-US" dirty="0">
-                <a:ea typeface="맑은 고딕"/>
-              </a:rPr>
-              <a:t> = </a:t>
-            </a:r>
-            <a:r>
-              <a:rPr lang="ko-KR" altLang="en-US" dirty="0" err="1">
-                <a:ea typeface="맑은 고딕"/>
-              </a:rPr>
-              <a:t>train_images.astype</a:t>
-            </a:r>
-            <a:r>
-              <a:rPr lang="ko-KR" altLang="en-US" dirty="0">
-                <a:ea typeface="맑은 고딕"/>
-              </a:rPr>
-              <a:t>(</a:t>
-            </a:r>
-            <a:r>
-              <a:rPr lang="ko-KR" altLang="en-US" dirty="0">
-                <a:solidFill>
-                  <a:schemeClr val="accent2"/>
-                </a:solidFill>
-                <a:ea typeface="맑은 고딕"/>
-              </a:rPr>
-              <a:t>'float32'</a:t>
-            </a:r>
-            <a:r>
-              <a:rPr lang="ko-KR" altLang="en-US" dirty="0">
-                <a:ea typeface="맑은 고딕"/>
-              </a:rPr>
-              <a:t>) / </a:t>
-            </a:r>
-            <a:r>
-              <a:rPr lang="ko-KR" altLang="en-US" dirty="0">
-                <a:solidFill>
-                  <a:schemeClr val="accent6"/>
-                </a:solidFill>
-                <a:ea typeface="맑은 고딕"/>
-              </a:rPr>
-              <a:t>255</a:t>
-            </a:r>
-          </a:p>
-          <a:p>
-            <a:pPr marL="0" indent="0">
-              <a:buNone/>
-            </a:pPr>
-            <a:endParaRPr lang="ko-KR" altLang="en-US" dirty="0">
-              <a:solidFill>
-                <a:schemeClr val="accent6"/>
-              </a:solidFill>
-              <a:ea typeface="맑은 고딕"/>
-            </a:endParaRPr>
-          </a:p>
-          <a:p>
-            <a:pPr marL="0" indent="0">
-              <a:buNone/>
-            </a:pPr>
-            <a:r>
-              <a:rPr lang="ko-KR" altLang="en-US" dirty="0" err="1">
-                <a:ea typeface="맑은 고딕"/>
-              </a:rPr>
-              <a:t>test_images</a:t>
-            </a:r>
-            <a:r>
-              <a:rPr lang="ko-KR" altLang="en-US" dirty="0">
-                <a:ea typeface="맑은 고딕"/>
-              </a:rPr>
-              <a:t> = </a:t>
-            </a:r>
-            <a:r>
-              <a:rPr lang="ko-KR" altLang="en-US" dirty="0" err="1">
-                <a:ea typeface="맑은 고딕"/>
-              </a:rPr>
-              <a:t>test_images.reshape</a:t>
-            </a:r>
-            <a:r>
-              <a:rPr lang="ko-KR" altLang="en-US" dirty="0">
-                <a:ea typeface="맑은 고딕"/>
-              </a:rPr>
-              <a:t>((</a:t>
-            </a:r>
-            <a:r>
-              <a:rPr lang="ko-KR" altLang="en-US" dirty="0">
-                <a:solidFill>
-                  <a:schemeClr val="accent6"/>
-                </a:solidFill>
-                <a:ea typeface="맑은 고딕"/>
-              </a:rPr>
-              <a:t>10000,28*28</a:t>
-            </a:r>
-            <a:r>
-              <a:rPr lang="ko-KR" altLang="en-US" dirty="0">
-                <a:ea typeface="맑은 고딕"/>
-              </a:rPr>
-              <a:t>))</a:t>
-            </a:r>
-          </a:p>
-          <a:p>
-            <a:pPr marL="0" indent="0">
-              <a:buNone/>
-            </a:pPr>
-            <a:r>
-              <a:rPr lang="ko-KR" altLang="en-US" dirty="0" err="1">
+              <a:rPr lang="ko-KR" altLang="en-US" sz="1100">
                 <a:solidFill>
                   <a:srgbClr val="000000"/>
                 </a:solidFill>
                 <a:ea typeface="맑은 고딕"/>
               </a:rPr>
-              <a:t>test_images</a:t>
-            </a:r>
-            <a:r>
-              <a:rPr lang="ko-KR" altLang="en-US" dirty="0">
+              <a:t>이전 절에서 배웠던 내용을 이용하여 코드를 자세히 리뷰</a:t>
+            </a:r>
+            <a:endParaRPr lang="ko-KR" altLang="en-US" sz="1100">
+              <a:solidFill>
+                <a:srgbClr val="000000"/>
+              </a:solidFill>
+              <a:ea typeface="맑은 고딕" panose="020B0503020000020004" pitchFamily="34" charset="-127"/>
+            </a:endParaRPr>
+          </a:p>
+          <a:p>
+            <a:r>
+              <a:rPr lang="ko-KR" altLang="en-US" sz="1100">
                 <a:solidFill>
                   <a:srgbClr val="000000"/>
                 </a:solidFill>
                 <a:ea typeface="맑은 고딕"/>
               </a:rPr>
-              <a:t> = </a:t>
-            </a:r>
-            <a:r>
-              <a:rPr lang="ko-KR" altLang="en-US" dirty="0" err="1">
+              <a:t>입력 데이터</a:t>
+            </a:r>
+          </a:p>
+          <a:p>
+            <a:pPr marL="0" indent="0">
+              <a:buNone/>
+            </a:pPr>
+            <a:r>
+              <a:rPr lang="ko-KR" altLang="en-US" sz="1100">
                 <a:solidFill>
                   <a:srgbClr val="000000"/>
                 </a:solidFill>
                 <a:ea typeface="맑은 고딕"/>
               </a:rPr>
-              <a:t>test_images.astype</a:t>
-            </a:r>
-            <a:r>
-              <a:rPr lang="ko-KR" altLang="en-US" dirty="0">
+              <a:t>(train_images, train_labels), (test_images, test_labels) = mnist.load_data()</a:t>
+            </a:r>
+          </a:p>
+          <a:p>
+            <a:pPr marL="0" indent="0">
+              <a:buNone/>
+            </a:pPr>
+            <a:endParaRPr lang="ko-KR" altLang="en-US" sz="1100">
+              <a:solidFill>
+                <a:srgbClr val="000000"/>
+              </a:solidFill>
+              <a:ea typeface="맑은 고딕"/>
+            </a:endParaRPr>
+          </a:p>
+          <a:p>
+            <a:pPr marL="0" indent="0">
+              <a:buNone/>
+            </a:pPr>
+            <a:r>
+              <a:rPr lang="ko-KR" altLang="en-US" sz="1100">
                 <a:solidFill>
                   <a:srgbClr val="000000"/>
                 </a:solidFill>
                 <a:ea typeface="맑은 고딕"/>
               </a:rPr>
-              <a:t>(</a:t>
-            </a:r>
-            <a:r>
-              <a:rPr lang="ko-KR" altLang="en-US" dirty="0">
-                <a:solidFill>
-                  <a:schemeClr val="accent2"/>
-                </a:solidFill>
-                <a:ea typeface="맑은 고딕"/>
-              </a:rPr>
-              <a:t>'float32'</a:t>
-            </a:r>
-            <a:r>
-              <a:rPr lang="ko-KR" altLang="en-US" dirty="0">
+              <a:t>train_images = train_image.reshape((60000,28*28))</a:t>
+            </a:r>
+          </a:p>
+          <a:p>
+            <a:pPr marL="0" indent="0">
+              <a:buNone/>
+            </a:pPr>
+            <a:r>
+              <a:rPr lang="ko-KR" altLang="en-US" sz="1100">
                 <a:solidFill>
                   <a:srgbClr val="000000"/>
                 </a:solidFill>
                 <a:ea typeface="맑은 고딕"/>
               </a:rPr>
-              <a:t>) / </a:t>
-            </a:r>
-            <a:r>
-              <a:rPr lang="ko-KR" altLang="en-US" dirty="0">
+              <a:t>train_images = train_images.astype('float32') / 255</a:t>
+            </a:r>
+          </a:p>
+          <a:p>
+            <a:pPr marL="0" indent="0">
+              <a:buNone/>
+            </a:pPr>
+            <a:endParaRPr lang="ko-KR" altLang="en-US" sz="1100">
+              <a:solidFill>
+                <a:srgbClr val="000000"/>
+              </a:solidFill>
+              <a:ea typeface="맑은 고딕"/>
+            </a:endParaRPr>
+          </a:p>
+          <a:p>
+            <a:pPr marL="0" indent="0">
+              <a:buNone/>
+            </a:pPr>
+            <a:r>
+              <a:rPr lang="ko-KR" altLang="en-US" sz="1100">
                 <a:solidFill>
-                  <a:schemeClr val="accent6"/>
+                  <a:srgbClr val="000000"/>
                 </a:solidFill>
                 <a:ea typeface="맑은 고딕"/>
               </a:rPr>
-              <a:t>255</a:t>
+              <a:t>test_images = test_images.reshape((10000,28*28))</a:t>
             </a:r>
           </a:p>
           <a:p>
             <a:pPr marL="0" indent="0">
               <a:buNone/>
             </a:pPr>
-            <a:endParaRPr lang="ko-KR" altLang="en-US" dirty="0">
+            <a:r>
+              <a:rPr lang="ko-KR" altLang="en-US" sz="1100">
+                <a:solidFill>
+                  <a:srgbClr val="000000"/>
+                </a:solidFill>
+                <a:ea typeface="맑은 고딕"/>
+              </a:rPr>
+              <a:t>test_images = test_images.astype('float32') / 255</a:t>
+            </a:r>
+          </a:p>
+          <a:p>
+            <a:pPr marL="0" indent="0">
+              <a:buNone/>
+            </a:pPr>
+            <a:endParaRPr lang="ko-KR" altLang="en-US" sz="1100">
               <a:solidFill>
-                <a:schemeClr val="accent6"/>
+                <a:srgbClr val="000000"/>
               </a:solidFill>
               <a:ea typeface="맑은 고딕"/>
             </a:endParaRPr>
@@ -3435,9 +3702,9 @@
             <a:pPr marL="0" indent="0">
               <a:buNone/>
             </a:pPr>
-            <a:endParaRPr lang="ko-KR" altLang="en-US" dirty="0">
+            <a:endParaRPr lang="ko-KR" altLang="en-US" sz="1100">
               <a:solidFill>
-                <a:schemeClr val="accent6"/>
+                <a:srgbClr val="000000"/>
               </a:solidFill>
               <a:ea typeface="맑은 고딕"/>
             </a:endParaRPr>
@@ -3460,6 +3727,14 @@
 <file path=ppt/slides/slide3.xml><?xml version="1.0" encoding="utf-8"?>
 <p:sld xmlns:a="http://schemas.openxmlformats.org/drawingml/2006/main" xmlns:r="http://schemas.openxmlformats.org/officeDocument/2006/relationships" xmlns:p="http://schemas.openxmlformats.org/presentationml/2006/main">
   <p:cSld>
+    <p:bg>
+      <p:bgPr>
+        <a:solidFill>
+          <a:schemeClr val="bg1"/>
+        </a:solidFill>
+        <a:effectLst/>
+      </p:bgPr>
+    </p:bg>
     <p:spTree>
       <p:nvGrpSpPr>
         <p:cNvPr id="1" name=""/>
@@ -3476,6 +3751,136 @@
       </p:grpSpPr>
       <p:sp>
         <p:nvSpPr>
+          <p:cNvPr id="8" name="Rectangle 7">
+            <a:extLst>
+              <a:ext uri="{FF2B5EF4-FFF2-40B4-BE49-F238E27FC236}">
+                <a16:creationId xmlns:a16="http://schemas.microsoft.com/office/drawing/2014/main" id="{4351DFE5-F63D-4BE0-BDA9-E3EB88F01AA5}"/>
+              </a:ext>
+              <a:ext uri="{C183D7F6-B498-43B3-948B-1728B52AA6E4}">
+                <adec:decorative xmlns:adec="http://schemas.microsoft.com/office/drawing/2017/decorative" val="1"/>
+              </a:ext>
+            </a:extLst>
+          </p:cNvPr>
+          <p:cNvSpPr>
+            <a:spLocks noGrp="1" noRot="1" noChangeAspect="1" noMove="1" noResize="1" noEditPoints="1" noAdjustHandles="1" noChangeArrowheads="1" noChangeShapeType="1" noTextEdit="1"/>
+          </p:cNvSpPr>
+          <p:nvPr>
+            <p:extLst>
+              <p:ext uri="{386F3935-93C4-4BCD-93E2-E3B085C9AB24}">
+                <p16:designElem xmlns:p16="http://schemas.microsoft.com/office/powerpoint/2015/main" val="1"/>
+              </p:ext>
+            </p:extLst>
+          </p:nvPr>
+        </p:nvSpPr>
+        <p:spPr>
+          <a:xfrm>
+            <a:off x="355601" y="0"/>
+            <a:ext cx="11480494" cy="2753936"/>
+          </a:xfrm>
+          <a:prstGeom prst="rect">
+            <a:avLst/>
+          </a:prstGeom>
+          <a:gradFill>
+            <a:gsLst>
+              <a:gs pos="0">
+                <a:schemeClr val="accent1">
+                  <a:lumMod val="90000"/>
+                </a:schemeClr>
+              </a:gs>
+              <a:gs pos="25000">
+                <a:schemeClr val="accent1">
+                  <a:lumMod val="90000"/>
+                </a:schemeClr>
+              </a:gs>
+              <a:gs pos="94000">
+                <a:schemeClr val="bg2">
+                  <a:lumMod val="25000"/>
+                </a:schemeClr>
+              </a:gs>
+              <a:gs pos="100000">
+                <a:schemeClr val="bg2">
+                  <a:lumMod val="25000"/>
+                </a:schemeClr>
+              </a:gs>
+            </a:gsLst>
+            <a:lin ang="4200000" scaled="0"/>
+          </a:gradFill>
+          <a:ln>
+            <a:noFill/>
+          </a:ln>
+        </p:spPr>
+        <p:style>
+          <a:lnRef idx="2">
+            <a:schemeClr val="accent1">
+              <a:shade val="50000"/>
+            </a:schemeClr>
+          </a:lnRef>
+          <a:fillRef idx="1">
+            <a:schemeClr val="accent1"/>
+          </a:fillRef>
+          <a:effectRef idx="0">
+            <a:schemeClr val="accent1"/>
+          </a:effectRef>
+          <a:fontRef idx="minor">
+            <a:schemeClr val="lt1"/>
+          </a:fontRef>
+        </p:style>
+        <p:txBody>
+          <a:bodyPr rtlCol="0" anchor="ctr"/>
+          <a:lstStyle/>
+          <a:p>
+            <a:pPr algn="ctr"/>
+            <a:endParaRPr lang="en-US"/>
+          </a:p>
+        </p:txBody>
+      </p:sp>
+      <p:pic>
+        <p:nvPicPr>
+          <p:cNvPr id="10" name="Picture 9">
+            <a:extLst>
+              <a:ext uri="{FF2B5EF4-FFF2-40B4-BE49-F238E27FC236}">
+                <a16:creationId xmlns:a16="http://schemas.microsoft.com/office/drawing/2014/main" id="{3AA16612-ACD2-4A16-8F2B-4514FD6BF28F}"/>
+              </a:ext>
+              <a:ext uri="{C183D7F6-B498-43B3-948B-1728B52AA6E4}">
+                <adec:decorative xmlns:adec="http://schemas.microsoft.com/office/drawing/2017/decorative" val="1"/>
+              </a:ext>
+            </a:extLst>
+          </p:cNvPr>
+          <p:cNvPicPr>
+            <a:picLocks noGrp="1" noRot="1" noChangeAspect="1" noMove="1" noResize="1" noEditPoints="1" noAdjustHandles="1" noChangeArrowheads="1" noChangeShapeType="1" noCrop="1"/>
+          </p:cNvPicPr>
+          <p:nvPr>
+            <p:extLst>
+              <p:ext uri="{386F3935-93C4-4BCD-93E2-E3B085C9AB24}">
+                <p16:designElem xmlns:p16="http://schemas.microsoft.com/office/powerpoint/2015/main" val="1"/>
+              </p:ext>
+            </p:extLst>
+          </p:nvPr>
+        </p:nvPicPr>
+        <p:blipFill>
+          <a:blip r:embed="rId2">
+            <a:extLst>
+              <a:ext uri="{28A0092B-C50C-407E-A947-70E740481C1C}">
+                <a14:useLocalDpi xmlns:a14="http://schemas.microsoft.com/office/drawing/2010/main" val="0"/>
+              </a:ext>
+            </a:extLst>
+          </a:blip>
+          <a:stretch>
+            <a:fillRect/>
+          </a:stretch>
+        </p:blipFill>
+        <p:spPr>
+          <a:xfrm>
+            <a:off x="0" y="0"/>
+            <a:ext cx="12192000" cy="6858000"/>
+          </a:xfrm>
+          <a:prstGeom prst="rect">
+            <a:avLst/>
+          </a:prstGeom>
+        </p:spPr>
+      </p:pic>
+      <p:sp>
+        <p:nvSpPr>
           <p:cNvPr id="2" name="제목 1">
             <a:extLst>
               <a:ext uri="{FF2B5EF4-FFF2-40B4-BE49-F238E27FC236}">
@@ -3490,18 +3895,33 @@
             <p:ph type="title"/>
           </p:nvPr>
         </p:nvSpPr>
-        <p:spPr/>
-        <p:txBody>
-          <a:bodyPr/>
-          <a:lstStyle/>
-          <a:p>
-            <a:r>
-              <a:rPr lang="ko-KR" altLang="en-US" dirty="0">
+        <p:spPr>
+          <a:xfrm>
+            <a:off x="1179226" y="826680"/>
+            <a:ext cx="9833548" cy="1325563"/>
+          </a:xfrm>
+        </p:spPr>
+        <p:txBody>
+          <a:bodyPr>
+            <a:normAutofit/>
+          </a:bodyPr>
+          <a:lstStyle/>
+          <a:p>
+            <a:pPr algn="ctr"/>
+            <a:r>
+              <a:rPr lang="ko-KR" altLang="en-US" sz="4000">
+                <a:solidFill>
+                  <a:srgbClr val="FFFFFF"/>
+                </a:solidFill>
                 <a:ea typeface="맑은 고딕"/>
               </a:rPr>
               <a:t>2.5 첫 번째 예제 다시 살펴보기</a:t>
             </a:r>
-            <a:endParaRPr lang="ko-KR" altLang="en-US" dirty="0"/>
+            <a:endParaRPr lang="ko-KR" altLang="en-US" sz="4000">
+              <a:solidFill>
+                <a:srgbClr val="FFFFFF"/>
+              </a:solidFill>
+            </a:endParaRPr>
           </a:p>
         </p:txBody>
       </p:sp>
@@ -3521,20 +3941,31 @@
             <p:ph idx="1"/>
           </p:nvPr>
         </p:nvSpPr>
-        <p:spPr/>
-        <p:txBody>
-          <a:bodyPr vert="horz" lIns="91440" tIns="45720" rIns="91440" bIns="45720" rtlCol="0" anchor="t">
+        <p:spPr>
+          <a:xfrm>
+            <a:off x="1179226" y="3092970"/>
+            <a:ext cx="9833548" cy="2693976"/>
+          </a:xfrm>
+        </p:spPr>
+        <p:txBody>
+          <a:bodyPr vert="horz" lIns="91440" tIns="45720" rIns="91440" bIns="45720" rtlCol="0">
             <a:normAutofit/>
           </a:bodyPr>
           <a:lstStyle/>
           <a:p>
             <a:r>
-              <a:rPr lang="ko-KR" altLang="en-US" sz="2500" dirty="0">
+              <a:rPr lang="ko-KR" altLang="en-US" sz="1600">
+                <a:solidFill>
+                  <a:srgbClr val="000000"/>
+                </a:solidFill>
                 <a:ea typeface="맑은 고딕"/>
               </a:rPr>
               <a:t>신경망</a:t>
             </a:r>
-            <a:endParaRPr lang="ko-KR" sz="2500">
+            <a:endParaRPr lang="ko-KR" sz="1600">
+              <a:solidFill>
+                <a:srgbClr val="000000"/>
+              </a:solidFill>
               <a:ea typeface="맑은 고딕"/>
             </a:endParaRPr>
           </a:p>
@@ -3542,7 +3973,10 @@
             <a:pPr marL="0" indent="0">
               <a:buNone/>
             </a:pPr>
-            <a:endParaRPr lang="ko-KR" altLang="en-US" sz="2500" dirty="0">
+            <a:endParaRPr lang="ko-KR" altLang="en-US" sz="1600">
+              <a:solidFill>
+                <a:srgbClr val="000000"/>
+              </a:solidFill>
               <a:ea typeface="맑은 고딕"/>
             </a:endParaRPr>
           </a:p>
@@ -3551,189 +3985,66 @@
               <a:buNone/>
             </a:pPr>
             <a:r>
-              <a:rPr lang="ko-KR" altLang="en-US" sz="2500" dirty="0" err="1">
+              <a:rPr lang="ko-KR" altLang="en-US" sz="1600">
+                <a:solidFill>
+                  <a:srgbClr val="000000"/>
+                </a:solidFill>
                 <a:ea typeface="맑은 고딕"/>
               </a:rPr>
-              <a:t>network</a:t>
-            </a:r>
-            <a:r>
-              <a:rPr lang="ko-KR" altLang="en-US" sz="2500" dirty="0">
+              <a:t>network = models.Sequential()</a:t>
+            </a:r>
+          </a:p>
+          <a:p>
+            <a:pPr marL="0" indent="0">
+              <a:buNone/>
+            </a:pPr>
+            <a:r>
+              <a:rPr lang="ko-KR" altLang="en-US" sz="1600">
+                <a:solidFill>
+                  <a:srgbClr val="000000"/>
+                </a:solidFill>
                 <a:ea typeface="맑은 고딕"/>
               </a:rPr>
-              <a:t> = </a:t>
-            </a:r>
-            <a:r>
-              <a:rPr lang="ko-KR" altLang="en-US" sz="2500" dirty="0" err="1">
+              <a:t>network.add(layers.Dense(512, activatioin='relu', input_shape(28*28,)))</a:t>
+            </a:r>
+          </a:p>
+          <a:p>
+            <a:pPr marL="0" indent="0">
+              <a:buNone/>
+            </a:pPr>
+            <a:r>
+              <a:rPr lang="ko-KR" altLang="en-US" sz="1600">
+                <a:solidFill>
+                  <a:srgbClr val="000000"/>
+                </a:solidFill>
                 <a:ea typeface="맑은 고딕"/>
               </a:rPr>
-              <a:t>models.Sequential</a:t>
-            </a:r>
-            <a:r>
-              <a:rPr lang="ko-KR" altLang="en-US" sz="2500" dirty="0">
+              <a:t>network.add(layers.Dense(10,activation='softmax'))</a:t>
+            </a:r>
+          </a:p>
+          <a:p>
+            <a:pPr marL="0" indent="0">
+              <a:buNone/>
+            </a:pPr>
+            <a:endParaRPr lang="ko-KR" altLang="en-US" sz="1600">
+              <a:solidFill>
+                <a:srgbClr val="000000"/>
+              </a:solidFill>
+              <a:ea typeface="맑은 고딕"/>
+            </a:endParaRPr>
+          </a:p>
+          <a:p>
+            <a:pPr marL="0" indent="0">
+              <a:buNone/>
+            </a:pPr>
+            <a:r>
+              <a:rPr lang="ko-KR" altLang="en-US" sz="1600">
+                <a:solidFill>
+                  <a:srgbClr val="000000"/>
+                </a:solidFill>
                 <a:ea typeface="맑은 고딕"/>
               </a:rPr>
-              <a:t>()</a:t>
-            </a:r>
-          </a:p>
-          <a:p>
-            <a:pPr marL="0" indent="0">
-              <a:buNone/>
-            </a:pPr>
-            <a:r>
-              <a:rPr lang="ko-KR" altLang="en-US" sz="2500" dirty="0" err="1">
-                <a:ea typeface="맑은 고딕"/>
-              </a:rPr>
-              <a:t>network.add</a:t>
-            </a:r>
-            <a:r>
-              <a:rPr lang="ko-KR" altLang="en-US" sz="2500" dirty="0">
-                <a:ea typeface="맑은 고딕"/>
-              </a:rPr>
-              <a:t>(</a:t>
-            </a:r>
-            <a:r>
-              <a:rPr lang="ko-KR" altLang="en-US" sz="2500" dirty="0" err="1">
-                <a:ea typeface="맑은 고딕"/>
-              </a:rPr>
-              <a:t>layers.Dense</a:t>
-            </a:r>
-            <a:r>
-              <a:rPr lang="ko-KR" altLang="en-US" sz="2500" dirty="0">
-                <a:ea typeface="맑은 고딕"/>
-              </a:rPr>
-              <a:t>(512, </a:t>
-            </a:r>
-            <a:r>
-              <a:rPr lang="ko-KR" altLang="en-US" sz="2500" dirty="0" err="1">
-                <a:ea typeface="맑은 고딕"/>
-              </a:rPr>
-              <a:t>activatioin</a:t>
-            </a:r>
-            <a:r>
-              <a:rPr lang="ko-KR" altLang="en-US" sz="2500" dirty="0">
-                <a:ea typeface="맑은 고딕"/>
-              </a:rPr>
-              <a:t>='</a:t>
-            </a:r>
-            <a:r>
-              <a:rPr lang="ko-KR" altLang="en-US" sz="2500" dirty="0" err="1">
-                <a:ea typeface="맑은 고딕"/>
-              </a:rPr>
-              <a:t>relu</a:t>
-            </a:r>
-            <a:r>
-              <a:rPr lang="ko-KR" altLang="en-US" sz="2500" dirty="0">
-                <a:ea typeface="맑은 고딕"/>
-              </a:rPr>
-              <a:t>', </a:t>
-            </a:r>
-            <a:r>
-              <a:rPr lang="ko-KR" altLang="en-US" sz="2500" dirty="0" err="1">
-                <a:ea typeface="맑은 고딕"/>
-              </a:rPr>
-              <a:t>input_shape</a:t>
-            </a:r>
-            <a:r>
-              <a:rPr lang="ko-KR" altLang="en-US" sz="2500" dirty="0">
-                <a:ea typeface="맑은 고딕"/>
-              </a:rPr>
-              <a:t>(28*28,)))</a:t>
-            </a:r>
-          </a:p>
-          <a:p>
-            <a:pPr marL="0" indent="0">
-              <a:buNone/>
-            </a:pPr>
-            <a:r>
-              <a:rPr lang="ko-KR" altLang="en-US" sz="2500" dirty="0" err="1">
-                <a:ea typeface="맑은 고딕"/>
-              </a:rPr>
-              <a:t>network.add</a:t>
-            </a:r>
-            <a:r>
-              <a:rPr lang="ko-KR" altLang="en-US" sz="2500" dirty="0">
-                <a:ea typeface="맑은 고딕"/>
-              </a:rPr>
-              <a:t>(</a:t>
-            </a:r>
-            <a:r>
-              <a:rPr lang="ko-KR" altLang="en-US" sz="2500" dirty="0" err="1">
-                <a:ea typeface="맑은 고딕"/>
-              </a:rPr>
-              <a:t>layers.Dense</a:t>
-            </a:r>
-            <a:r>
-              <a:rPr lang="ko-KR" altLang="en-US" sz="2500" dirty="0">
-                <a:ea typeface="맑은 고딕"/>
-              </a:rPr>
-              <a:t>(10,activation='</a:t>
-            </a:r>
-            <a:r>
-              <a:rPr lang="ko-KR" altLang="en-US" sz="2500" dirty="0" err="1">
-                <a:ea typeface="맑은 고딕"/>
-              </a:rPr>
-              <a:t>softmax</a:t>
-            </a:r>
-            <a:r>
-              <a:rPr lang="ko-KR" altLang="en-US" sz="2500" dirty="0">
-                <a:ea typeface="맑은 고딕"/>
-              </a:rPr>
-              <a:t>'))</a:t>
-            </a:r>
-          </a:p>
-          <a:p>
-            <a:pPr marL="0" indent="0">
-              <a:buNone/>
-            </a:pPr>
-            <a:endParaRPr lang="ko-KR" altLang="en-US" sz="2500" dirty="0">
-              <a:ea typeface="맑은 고딕"/>
-            </a:endParaRPr>
-          </a:p>
-          <a:p>
-            <a:pPr marL="0" indent="0">
-              <a:buNone/>
-            </a:pPr>
-            <a:r>
-              <a:rPr lang="ko-KR" altLang="en-US" sz="2500" dirty="0">
-                <a:ea typeface="맑은 고딕"/>
-              </a:rPr>
-              <a:t>2개의 </a:t>
-            </a:r>
-            <a:r>
-              <a:rPr lang="ko-KR" altLang="en-US" sz="2500" dirty="0" err="1">
-                <a:ea typeface="맑은 고딕"/>
-              </a:rPr>
-              <a:t>Dense</a:t>
-            </a:r>
-            <a:r>
-              <a:rPr lang="ko-KR" altLang="en-US" sz="2500" dirty="0">
-                <a:ea typeface="맑은 고딕"/>
-              </a:rPr>
-              <a:t> 층이 연결되어 있고, 각 층은 가중치 </a:t>
-            </a:r>
-            <a:r>
-              <a:rPr lang="ko-KR" altLang="en-US" sz="2500" dirty="0" err="1">
-                <a:ea typeface="맑은 고딕"/>
-              </a:rPr>
-              <a:t>텐서를</a:t>
-            </a:r>
-            <a:r>
-              <a:rPr lang="ko-KR" altLang="en-US" sz="2500" dirty="0">
-                <a:ea typeface="맑은 고딕"/>
-              </a:rPr>
-              <a:t> 포함하여 입력 데이터에 대한 몇개의 간단한 </a:t>
-            </a:r>
-            <a:r>
-              <a:rPr lang="ko-KR" altLang="en-US" sz="2500" dirty="0" err="1">
-                <a:ea typeface="맑은 고딕"/>
-              </a:rPr>
-              <a:t>텐서</a:t>
-            </a:r>
-            <a:r>
-              <a:rPr lang="ko-KR" altLang="en-US" sz="2500" dirty="0">
-                <a:ea typeface="맑은 고딕"/>
-              </a:rPr>
-              <a:t> 연산을 적용</a:t>
+              <a:t>2개의 Dense 층이 연결되어 있고, 각 층은 가중치 텐서를 포함하여 입력 데이터에 대한 몇개의 간단한 텐서 연산을 적용</a:t>
             </a:r>
           </a:p>
         </p:txBody>
@@ -3843,6 +4154,14 @@
 <file path=ppt/slides/slide5.xml><?xml version="1.0" encoding="utf-8"?>
 <p:sld xmlns:a="http://schemas.openxmlformats.org/drawingml/2006/main" xmlns:r="http://schemas.openxmlformats.org/officeDocument/2006/relationships" xmlns:p="http://schemas.openxmlformats.org/presentationml/2006/main">
   <p:cSld>
+    <p:bg>
+      <p:bgPr>
+        <a:solidFill>
+          <a:schemeClr val="bg1"/>
+        </a:solidFill>
+        <a:effectLst/>
+      </p:bgPr>
+    </p:bg>
     <p:spTree>
       <p:nvGrpSpPr>
         <p:cNvPr id="1" name=""/>
@@ -3859,6 +4178,136 @@
       </p:grpSpPr>
       <p:sp>
         <p:nvSpPr>
+          <p:cNvPr id="8" name="Rectangle 7">
+            <a:extLst>
+              <a:ext uri="{FF2B5EF4-FFF2-40B4-BE49-F238E27FC236}">
+                <a16:creationId xmlns:a16="http://schemas.microsoft.com/office/drawing/2014/main" id="{4351DFE5-F63D-4BE0-BDA9-E3EB88F01AA5}"/>
+              </a:ext>
+              <a:ext uri="{C183D7F6-B498-43B3-948B-1728B52AA6E4}">
+                <adec:decorative xmlns:adec="http://schemas.microsoft.com/office/drawing/2017/decorative" val="1"/>
+              </a:ext>
+            </a:extLst>
+          </p:cNvPr>
+          <p:cNvSpPr>
+            <a:spLocks noGrp="1" noRot="1" noChangeAspect="1" noMove="1" noResize="1" noEditPoints="1" noAdjustHandles="1" noChangeArrowheads="1" noChangeShapeType="1" noTextEdit="1"/>
+          </p:cNvSpPr>
+          <p:nvPr>
+            <p:extLst>
+              <p:ext uri="{386F3935-93C4-4BCD-93E2-E3B085C9AB24}">
+                <p16:designElem xmlns:p16="http://schemas.microsoft.com/office/powerpoint/2015/main" val="1"/>
+              </p:ext>
+            </p:extLst>
+          </p:nvPr>
+        </p:nvSpPr>
+        <p:spPr>
+          <a:xfrm>
+            <a:off x="355601" y="0"/>
+            <a:ext cx="11480494" cy="2753936"/>
+          </a:xfrm>
+          <a:prstGeom prst="rect">
+            <a:avLst/>
+          </a:prstGeom>
+          <a:gradFill>
+            <a:gsLst>
+              <a:gs pos="0">
+                <a:schemeClr val="accent1">
+                  <a:lumMod val="90000"/>
+                </a:schemeClr>
+              </a:gs>
+              <a:gs pos="25000">
+                <a:schemeClr val="accent1">
+                  <a:lumMod val="90000"/>
+                </a:schemeClr>
+              </a:gs>
+              <a:gs pos="94000">
+                <a:schemeClr val="bg2">
+                  <a:lumMod val="25000"/>
+                </a:schemeClr>
+              </a:gs>
+              <a:gs pos="100000">
+                <a:schemeClr val="bg2">
+                  <a:lumMod val="25000"/>
+                </a:schemeClr>
+              </a:gs>
+            </a:gsLst>
+            <a:lin ang="4200000" scaled="0"/>
+          </a:gradFill>
+          <a:ln>
+            <a:noFill/>
+          </a:ln>
+        </p:spPr>
+        <p:style>
+          <a:lnRef idx="2">
+            <a:schemeClr val="accent1">
+              <a:shade val="50000"/>
+            </a:schemeClr>
+          </a:lnRef>
+          <a:fillRef idx="1">
+            <a:schemeClr val="accent1"/>
+          </a:fillRef>
+          <a:effectRef idx="0">
+            <a:schemeClr val="accent1"/>
+          </a:effectRef>
+          <a:fontRef idx="minor">
+            <a:schemeClr val="lt1"/>
+          </a:fontRef>
+        </p:style>
+        <p:txBody>
+          <a:bodyPr rtlCol="0" anchor="ctr"/>
+          <a:lstStyle/>
+          <a:p>
+            <a:pPr algn="ctr"/>
+            <a:endParaRPr lang="en-US"/>
+          </a:p>
+        </p:txBody>
+      </p:sp>
+      <p:pic>
+        <p:nvPicPr>
+          <p:cNvPr id="10" name="Picture 9">
+            <a:extLst>
+              <a:ext uri="{FF2B5EF4-FFF2-40B4-BE49-F238E27FC236}">
+                <a16:creationId xmlns:a16="http://schemas.microsoft.com/office/drawing/2014/main" id="{3AA16612-ACD2-4A16-8F2B-4514FD6BF28F}"/>
+              </a:ext>
+              <a:ext uri="{C183D7F6-B498-43B3-948B-1728B52AA6E4}">
+                <adec:decorative xmlns:adec="http://schemas.microsoft.com/office/drawing/2017/decorative" val="1"/>
+              </a:ext>
+            </a:extLst>
+          </p:cNvPr>
+          <p:cNvPicPr>
+            <a:picLocks noGrp="1" noRot="1" noChangeAspect="1" noMove="1" noResize="1" noEditPoints="1" noAdjustHandles="1" noChangeArrowheads="1" noChangeShapeType="1" noCrop="1"/>
+          </p:cNvPicPr>
+          <p:nvPr>
+            <p:extLst>
+              <p:ext uri="{386F3935-93C4-4BCD-93E2-E3B085C9AB24}">
+                <p16:designElem xmlns:p16="http://schemas.microsoft.com/office/powerpoint/2015/main" val="1"/>
+              </p:ext>
+            </p:extLst>
+          </p:nvPr>
+        </p:nvPicPr>
+        <p:blipFill>
+          <a:blip r:embed="rId2">
+            <a:extLst>
+              <a:ext uri="{28A0092B-C50C-407E-A947-70E740481C1C}">
+                <a14:useLocalDpi xmlns:a14="http://schemas.microsoft.com/office/drawing/2010/main" val="0"/>
+              </a:ext>
+            </a:extLst>
+          </a:blip>
+          <a:stretch>
+            <a:fillRect/>
+          </a:stretch>
+        </p:blipFill>
+        <p:spPr>
+          <a:xfrm>
+            <a:off x="0" y="0"/>
+            <a:ext cx="12192000" cy="6858000"/>
+          </a:xfrm>
+          <a:prstGeom prst="rect">
+            <a:avLst/>
+          </a:prstGeom>
+        </p:spPr>
+      </p:pic>
+      <p:sp>
+        <p:nvSpPr>
           <p:cNvPr id="2" name="제목 1">
             <a:extLst>
               <a:ext uri="{FF2B5EF4-FFF2-40B4-BE49-F238E27FC236}">
@@ -3873,18 +4322,33 @@
             <p:ph type="title"/>
           </p:nvPr>
         </p:nvSpPr>
-        <p:spPr/>
-        <p:txBody>
-          <a:bodyPr/>
-          <a:lstStyle/>
-          <a:p>
-            <a:r>
-              <a:rPr lang="ko-KR" altLang="en-US" dirty="0">
+        <p:spPr>
+          <a:xfrm>
+            <a:off x="1179226" y="826680"/>
+            <a:ext cx="9833548" cy="1325563"/>
+          </a:xfrm>
+        </p:spPr>
+        <p:txBody>
+          <a:bodyPr>
+            <a:normAutofit/>
+          </a:bodyPr>
+          <a:lstStyle/>
+          <a:p>
+            <a:pPr algn="ctr"/>
+            <a:r>
+              <a:rPr lang="ko-KR" altLang="en-US" sz="4000">
+                <a:solidFill>
+                  <a:srgbClr val="FFFFFF"/>
+                </a:solidFill>
                 <a:ea typeface="맑은 고딕"/>
               </a:rPr>
               <a:t>2.5 첫 번째 예제 다시 살펴보기</a:t>
             </a:r>
-            <a:endParaRPr lang="ko-KR" altLang="en-US" dirty="0"/>
+            <a:endParaRPr lang="ko-KR" altLang="en-US" sz="4000">
+              <a:solidFill>
+                <a:srgbClr val="FFFFFF"/>
+              </a:solidFill>
+            </a:endParaRPr>
           </a:p>
         </p:txBody>
       </p:sp>
@@ -3904,15 +4368,23 @@
             <p:ph idx="1"/>
           </p:nvPr>
         </p:nvSpPr>
-        <p:spPr/>
-        <p:txBody>
-          <a:bodyPr vert="horz" lIns="91440" tIns="45720" rIns="91440" bIns="45720" rtlCol="0" anchor="t">
+        <p:spPr>
+          <a:xfrm>
+            <a:off x="1179226" y="3092970"/>
+            <a:ext cx="9833548" cy="2693976"/>
+          </a:xfrm>
+        </p:spPr>
+        <p:txBody>
+          <a:bodyPr vert="horz" lIns="91440" tIns="45720" rIns="91440" bIns="45720" rtlCol="0">
             <a:normAutofit/>
           </a:bodyPr>
           <a:lstStyle/>
           <a:p>
             <a:r>
-              <a:rPr lang="ko-KR" altLang="en-US" dirty="0">
+              <a:rPr lang="ko-KR" altLang="en-US" sz="1900">
+                <a:solidFill>
+                  <a:srgbClr val="000000"/>
+                </a:solidFill>
                 <a:ea typeface="맑은 고딕"/>
               </a:rPr>
               <a:t>네트워크를 컴파일 하는 단계</a:t>
@@ -3922,7 +4394,10 @@
             <a:pPr marL="0" indent="0">
               <a:buNone/>
             </a:pPr>
-            <a:endParaRPr lang="ko-KR" altLang="en-US" dirty="0">
+            <a:endParaRPr lang="ko-KR" altLang="en-US" sz="1900">
+              <a:solidFill>
+                <a:srgbClr val="000000"/>
+              </a:solidFill>
               <a:ea typeface="맑은 고딕"/>
             </a:endParaRPr>
           </a:p>
@@ -3931,115 +4406,49 @@
               <a:buNone/>
             </a:pPr>
             <a:r>
-              <a:rPr lang="ko-KR" altLang="en-US" dirty="0" err="1">
+              <a:rPr lang="ko-KR" altLang="en-US" sz="1900">
+                <a:solidFill>
+                  <a:srgbClr val="000000"/>
+                </a:solidFill>
                 <a:ea typeface="맑은 고딕"/>
               </a:rPr>
-              <a:t>network.compile</a:t>
-            </a:r>
-            <a:r>
-              <a:rPr lang="ko-KR" altLang="en-US" dirty="0">
+              <a:t>network.compile(optimizer='rmsprop',</a:t>
+            </a:r>
+          </a:p>
+          <a:p>
+            <a:pPr marL="0" indent="0">
+              <a:buNone/>
+            </a:pPr>
+            <a:r>
+              <a:rPr lang="ko-KR" altLang="en-US" sz="1900">
+                <a:solidFill>
+                  <a:srgbClr val="000000"/>
+                </a:solidFill>
                 <a:ea typeface="맑은 고딕"/>
               </a:rPr>
-              <a:t>(</a:t>
-            </a:r>
-            <a:r>
-              <a:rPr lang="ko-KR" altLang="en-US" dirty="0" err="1">
+              <a:t>                       loss='categorical_crossentropy',</a:t>
+            </a:r>
+          </a:p>
+          <a:p>
+            <a:pPr marL="0" indent="0">
+              <a:buNone/>
+            </a:pPr>
+            <a:r>
+              <a:rPr lang="ko-KR" altLang="en-US" sz="1900">
+                <a:solidFill>
+                  <a:srgbClr val="000000"/>
+                </a:solidFill>
                 <a:ea typeface="맑은 고딕"/>
               </a:rPr>
-              <a:t>optimizer</a:t>
-            </a:r>
-            <a:r>
-              <a:rPr lang="ko-KR" altLang="en-US" dirty="0">
-                <a:ea typeface="맑은 고딕"/>
-              </a:rPr>
-              <a:t>='</a:t>
-            </a:r>
-            <a:r>
-              <a:rPr lang="ko-KR" altLang="en-US" dirty="0" err="1">
-                <a:ea typeface="맑은 고딕"/>
-              </a:rPr>
-              <a:t>rmsprop</a:t>
-            </a:r>
-            <a:r>
-              <a:rPr lang="ko-KR" altLang="en-US" dirty="0">
-                <a:ea typeface="맑은 고딕"/>
-              </a:rPr>
-              <a:t>',</a:t>
-            </a:r>
-          </a:p>
-          <a:p>
-            <a:pPr marL="0" indent="0">
-              <a:buNone/>
-            </a:pPr>
-            <a:r>
-              <a:rPr lang="ko-KR" altLang="en-US" dirty="0">
-                <a:ea typeface="맑은 고딕"/>
-              </a:rPr>
-              <a:t>                       </a:t>
-            </a:r>
-            <a:r>
-              <a:rPr lang="ko-KR" altLang="en-US" dirty="0" err="1">
-                <a:ea typeface="맑은 고딕"/>
-              </a:rPr>
-              <a:t>loss</a:t>
-            </a:r>
-            <a:r>
-              <a:rPr lang="ko-KR" altLang="en-US" dirty="0">
-                <a:ea typeface="맑은 고딕"/>
-              </a:rPr>
-              <a:t>='</a:t>
-            </a:r>
-            <a:r>
-              <a:rPr lang="ko-KR" altLang="en-US" dirty="0" err="1">
-                <a:ea typeface="맑은 고딕"/>
-              </a:rPr>
-              <a:t>categorical_crossentropy</a:t>
-            </a:r>
-            <a:r>
-              <a:rPr lang="ko-KR" altLang="en-US" dirty="0">
-                <a:ea typeface="맑은 고딕"/>
-              </a:rPr>
-              <a:t>',</a:t>
-            </a:r>
-          </a:p>
-          <a:p>
-            <a:pPr marL="0" indent="0">
-              <a:buNone/>
-            </a:pPr>
-            <a:r>
-              <a:rPr lang="ko-KR" altLang="en-US" dirty="0">
-                <a:ea typeface="맑은 고딕"/>
-              </a:rPr>
-              <a:t>                       </a:t>
-            </a:r>
-            <a:r>
-              <a:rPr lang="ko-KR" altLang="en-US" dirty="0" err="1">
-                <a:ea typeface="맑은 고딕"/>
-              </a:rPr>
-              <a:t>metrics</a:t>
-            </a:r>
-            <a:r>
-              <a:rPr lang="ko-KR" altLang="en-US" dirty="0">
-                <a:ea typeface="맑은 고딕"/>
-              </a:rPr>
-              <a:t> = ['</a:t>
-            </a:r>
-            <a:r>
-              <a:rPr lang="ko-KR" altLang="en-US" dirty="0" err="1">
-                <a:ea typeface="맑은 고딕"/>
-              </a:rPr>
-              <a:t>accuracy</a:t>
-            </a:r>
-            <a:r>
-              <a:rPr lang="ko-KR" altLang="en-US" dirty="0">
-                <a:ea typeface="맑은 고딕"/>
-              </a:rPr>
-              <a:t>'])</a:t>
-            </a:r>
-          </a:p>
-          <a:p>
-            <a:r>
-              <a:rPr lang="ko-KR" altLang="en-US" dirty="0">
+              <a:t>                       metrics = ['accuracy'])</a:t>
+            </a:r>
+          </a:p>
+          <a:p>
+            <a:r>
+              <a:rPr lang="ko-KR" altLang="en-US" sz="1900">
+                <a:solidFill>
+                  <a:srgbClr val="000000"/>
+                </a:solidFill>
                 <a:ea typeface="맑은 고딕"/>
               </a:rPr>
               <a:t>훈련 반복</a:t>
@@ -4050,66 +4459,19 @@
               <a:buNone/>
             </a:pPr>
             <a:r>
-              <a:rPr lang="ko-KR" altLang="en-US" dirty="0" err="1">
+              <a:rPr lang="ko-KR" altLang="en-US" sz="1900">
+                <a:solidFill>
+                  <a:srgbClr val="000000"/>
+                </a:solidFill>
                 <a:ea typeface="맑은 고딕"/>
               </a:rPr>
-              <a:t>network.fit</a:t>
-            </a:r>
-            <a:r>
-              <a:rPr lang="ko-KR" altLang="en-US" dirty="0">
-                <a:ea typeface="맑은 고딕"/>
-              </a:rPr>
-              <a:t>(</a:t>
-            </a:r>
-            <a:r>
-              <a:rPr lang="ko-KR" altLang="en-US" dirty="0" err="1">
-                <a:ea typeface="맑은 고딕"/>
-              </a:rPr>
-              <a:t>train_images</a:t>
-            </a:r>
-            <a:r>
-              <a:rPr lang="ko-KR" altLang="en-US" dirty="0">
-                <a:ea typeface="맑은 고딕"/>
-              </a:rPr>
-              <a:t>, </a:t>
-            </a:r>
-            <a:r>
-              <a:rPr lang="ko-KR" altLang="en-US" dirty="0" err="1">
-                <a:ea typeface="맑은 고딕"/>
-              </a:rPr>
-              <a:t>train_labels</a:t>
-            </a:r>
-            <a:r>
-              <a:rPr lang="ko-KR" altLang="en-US" dirty="0">
-                <a:ea typeface="맑은 고딕"/>
-              </a:rPr>
-              <a:t>, </a:t>
-            </a:r>
-            <a:r>
-              <a:rPr lang="ko-KR" altLang="en-US" dirty="0" err="1">
-                <a:ea typeface="맑은 고딕"/>
-              </a:rPr>
-              <a:t>epochs</a:t>
-            </a:r>
-            <a:r>
-              <a:rPr lang="ko-KR" altLang="en-US" dirty="0">
-                <a:ea typeface="맑은 고딕"/>
-              </a:rPr>
-              <a:t>=5, </a:t>
-            </a:r>
-            <a:r>
-              <a:rPr lang="ko-KR" altLang="en-US" dirty="0" err="1">
-                <a:ea typeface="맑은 고딕"/>
-              </a:rPr>
-              <a:t>batch_size</a:t>
-            </a:r>
-            <a:r>
-              <a:rPr lang="ko-KR" altLang="en-US" dirty="0">
-                <a:ea typeface="맑은 고딕"/>
-              </a:rPr>
-              <a:t>=128)</a:t>
-            </a:r>
-            <a:endParaRPr lang="ko-KR" dirty="0"/>
+              <a:t>network.fit(train_images, train_labels, epochs=5, batch_size=128)</a:t>
+            </a:r>
+            <a:endParaRPr lang="ko-KR" sz="1900">
+              <a:solidFill>
+                <a:srgbClr val="000000"/>
+              </a:solidFill>
+            </a:endParaRPr>
           </a:p>
         </p:txBody>
       </p:sp>
